--- a/Python_Project_subtitles.pptx
+++ b/Python_Project_subtitles.pptx
@@ -5,7 +5,7 @@
     <p:sldMasterId id="2147483648" r:id="rId4"/>
   </p:sldMasterIdLst>
   <p:notesMasterIdLst>
-    <p:notesMasterId r:id="rId14"/>
+    <p:notesMasterId r:id="rId13"/>
   </p:notesMasterIdLst>
   <p:sldIdLst>
     <p:sldId id="271" r:id="rId5"/>
@@ -16,13 +16,12 @@
     <p:sldId id="289" r:id="rId10"/>
     <p:sldId id="273" r:id="rId11"/>
     <p:sldId id="285" r:id="rId12"/>
-    <p:sldId id="284" r:id="rId13"/>
   </p:sldIdLst>
   <p:sldSz cx="12192000" cy="6858000"/>
   <p:notesSz cx="6858000" cy="9144000"/>
   <p:defaultTextStyle>
     <a:defPPr>
-      <a:defRPr lang="en-RU"/>
+      <a:defRPr lang="x-none"/>
     </a:defPPr>
     <a:lvl1pPr marL="0" algn="l" defTabSz="914400" rtl="0" eaLnBrk="1" latinLnBrk="0" hangingPunct="1">
       <a:defRPr sz="1800" kern="1200">
@@ -205,6 +204,14 @@
 </p:cmAuthorLst>
 </file>
 
+<file path=ppt/revisionInfo.xml><?xml version="1.0" encoding="utf-8"?>
+<p1510:revInfo xmlns:a="http://schemas.openxmlformats.org/drawingml/2006/main" xmlns:r="http://schemas.openxmlformats.org/officeDocument/2006/relationships" xmlns:p1510="http://schemas.microsoft.com/office/powerpoint/2015/10/main">
+  <p1510:revLst>
+    <p1510:client id="{14C21501-8AC7-D24B-9BD4-4AB280FA19DE}" v="6" dt="2021-11-26T18:08:21.528"/>
+  </p1510:revLst>
+</p1510:revInfo>
+</file>
+
 <file path=ppt/notesMasters/notesMaster1.xml><?xml version="1.0" encoding="utf-8"?>
 <p:notesMaster xmlns:a="http://schemas.openxmlformats.org/drawingml/2006/main" xmlns:r="http://schemas.openxmlformats.org/officeDocument/2006/relationships" xmlns:p="http://schemas.openxmlformats.org/presentationml/2006/main">
   <p:cSld>
@@ -254,7 +261,7 @@
             </a:lvl1pPr>
           </a:lstStyle>
           <a:p>
-            <a:endParaRPr lang="en-RU"/>
+            <a:endParaRPr lang="x-none"/>
           </a:p>
         </p:txBody>
       </p:sp>
@@ -286,10 +293,10 @@
           </a:lstStyle>
           <a:p>
             <a:fld id="{73261BF4-8B2C-784B-9959-B59A059012C3}" type="datetimeFigureOut">
-              <a:rPr lang="en-RU" smtClean="0"/>
-              <a:t>10/23/2023</a:t>
+              <a:rPr lang="x-none" smtClean="0"/>
+              <a:t>24.10.2023</a:t>
             </a:fld>
-            <a:endParaRPr lang="en-RU"/>
+            <a:endParaRPr lang="x-none"/>
           </a:p>
         </p:txBody>
       </p:sp>
@@ -322,7 +329,7 @@
           <a:bodyPr vert="horz" lIns="91440" tIns="45720" rIns="91440" bIns="45720" rtlCol="0" anchor="ctr"/>
           <a:lstStyle/>
           <a:p>
-            <a:endParaRPr lang="en-RU"/>
+            <a:endParaRPr lang="x-none"/>
           </a:p>
         </p:txBody>
       </p:sp>
@@ -382,7 +389,7 @@
               <a:rPr lang="en-GB"/>
               <a:t>Fifth level</a:t>
             </a:r>
-            <a:endParaRPr lang="en-RU"/>
+            <a:endParaRPr lang="x-none"/>
           </a:p>
         </p:txBody>
       </p:sp>
@@ -413,7 +420,7 @@
             </a:lvl1pPr>
           </a:lstStyle>
           <a:p>
-            <a:endParaRPr lang="en-RU"/>
+            <a:endParaRPr lang="x-none"/>
           </a:p>
         </p:txBody>
       </p:sp>
@@ -445,10 +452,10 @@
           </a:lstStyle>
           <a:p>
             <a:fld id="{6C748903-8EB5-294E-A216-6B54B0368783}" type="slidenum">
-              <a:rPr lang="en-RU" smtClean="0"/>
+              <a:rPr lang="x-none" smtClean="0"/>
               <a:t>‹#›</a:t>
             </a:fld>
-            <a:endParaRPr lang="en-RU"/>
+            <a:endParaRPr lang="x-none"/>
           </a:p>
         </p:txBody>
       </p:sp>
@@ -2114,7 +2121,7 @@
           <a:lstStyle/>
           <a:p>
             <a:pPr algn="ctr"/>
-            <a:endParaRPr lang="en-RU"/>
+            <a:endParaRPr lang="x-none"/>
           </a:p>
         </p:txBody>
       </p:sp>
@@ -2166,7 +2173,7 @@
           <a:lstStyle/>
           <a:p>
             <a:pPr algn="ctr"/>
-            <a:endParaRPr lang="en-RU"/>
+            <a:endParaRPr lang="x-none"/>
           </a:p>
         </p:txBody>
       </p:sp>
@@ -2218,7 +2225,7 @@
           <a:lstStyle/>
           <a:p>
             <a:pPr algn="ctr"/>
-            <a:endParaRPr lang="en-RU"/>
+            <a:endParaRPr lang="x-none"/>
           </a:p>
         </p:txBody>
       </p:sp>
@@ -2270,7 +2277,7 @@
           <a:lstStyle/>
           <a:p>
             <a:pPr algn="ctr"/>
-            <a:endParaRPr lang="en-RU"/>
+            <a:endParaRPr lang="x-none"/>
           </a:p>
         </p:txBody>
       </p:sp>
@@ -2322,7 +2329,7 @@
           <a:lstStyle/>
           <a:p>
             <a:pPr algn="ctr"/>
-            <a:endParaRPr lang="en-RU"/>
+            <a:endParaRPr lang="x-none"/>
           </a:p>
         </p:txBody>
       </p:sp>
@@ -2374,7 +2381,7 @@
           <a:lstStyle/>
           <a:p>
             <a:pPr algn="ctr"/>
-            <a:endParaRPr lang="en-RU"/>
+            <a:endParaRPr lang="x-none"/>
           </a:p>
         </p:txBody>
       </p:sp>
@@ -2426,7 +2433,7 @@
           <a:lstStyle/>
           <a:p>
             <a:pPr algn="ctr"/>
-            <a:endParaRPr lang="en-RU"/>
+            <a:endParaRPr lang="x-none"/>
           </a:p>
         </p:txBody>
       </p:sp>
@@ -2478,7 +2485,7 @@
           <a:lstStyle/>
           <a:p>
             <a:pPr algn="ctr"/>
-            <a:endParaRPr lang="en-RU"/>
+            <a:endParaRPr lang="x-none"/>
           </a:p>
         </p:txBody>
       </p:sp>
@@ -2530,7 +2537,7 @@
           <a:lstStyle/>
           <a:p>
             <a:pPr algn="ctr"/>
-            <a:endParaRPr lang="en-RU"/>
+            <a:endParaRPr lang="x-none"/>
           </a:p>
         </p:txBody>
       </p:sp>
@@ -2582,7 +2589,7 @@
           <a:lstStyle/>
           <a:p>
             <a:pPr algn="ctr"/>
-            <a:endParaRPr lang="en-RU"/>
+            <a:endParaRPr lang="x-none"/>
           </a:p>
         </p:txBody>
       </p:sp>
@@ -2634,7 +2641,7 @@
           <a:lstStyle/>
           <a:p>
             <a:pPr algn="ctr"/>
-            <a:endParaRPr lang="en-RU"/>
+            <a:endParaRPr lang="x-none"/>
           </a:p>
         </p:txBody>
       </p:sp>
@@ -2686,7 +2693,7 @@
           <a:lstStyle/>
           <a:p>
             <a:pPr algn="ctr"/>
-            <a:endParaRPr lang="en-RU"/>
+            <a:endParaRPr lang="x-none"/>
           </a:p>
         </p:txBody>
       </p:sp>
@@ -2738,7 +2745,7 @@
           <a:lstStyle/>
           <a:p>
             <a:pPr algn="ctr"/>
-            <a:endParaRPr lang="en-RU"/>
+            <a:endParaRPr lang="x-none"/>
           </a:p>
         </p:txBody>
       </p:sp>
@@ -2790,7 +2797,7 @@
           <a:lstStyle/>
           <a:p>
             <a:pPr algn="ctr"/>
-            <a:endParaRPr lang="en-RU"/>
+            <a:endParaRPr lang="x-none"/>
           </a:p>
         </p:txBody>
       </p:sp>
@@ -2842,7 +2849,7 @@
           <a:lstStyle/>
           <a:p>
             <a:pPr algn="ctr"/>
-            <a:endParaRPr lang="en-RU"/>
+            <a:endParaRPr lang="x-none"/>
           </a:p>
         </p:txBody>
       </p:sp>
@@ -2894,7 +2901,7 @@
           <a:lstStyle/>
           <a:p>
             <a:pPr algn="ctr"/>
-            <a:endParaRPr lang="en-RU"/>
+            <a:endParaRPr lang="x-none"/>
           </a:p>
         </p:txBody>
       </p:sp>
@@ -2946,7 +2953,7 @@
           <a:lstStyle/>
           <a:p>
             <a:pPr algn="ctr"/>
-            <a:endParaRPr lang="en-RU"/>
+            <a:endParaRPr lang="x-none"/>
           </a:p>
         </p:txBody>
       </p:sp>
@@ -2998,7 +3005,7 @@
           <a:lstStyle/>
           <a:p>
             <a:pPr algn="ctr"/>
-            <a:endParaRPr lang="en-RU"/>
+            <a:endParaRPr lang="x-none"/>
           </a:p>
         </p:txBody>
       </p:sp>
@@ -3050,7 +3057,7 @@
           <a:lstStyle/>
           <a:p>
             <a:pPr algn="ctr"/>
-            <a:endParaRPr lang="en-RU"/>
+            <a:endParaRPr lang="x-none"/>
           </a:p>
         </p:txBody>
       </p:sp>
@@ -3102,7 +3109,7 @@
           <a:lstStyle/>
           <a:p>
             <a:pPr algn="ctr"/>
-            <a:endParaRPr lang="en-RU"/>
+            <a:endParaRPr lang="x-none"/>
           </a:p>
         </p:txBody>
       </p:sp>
@@ -3810,7 +3817,7 @@
           <a:lstStyle/>
           <a:p>
             <a:pPr algn="ctr"/>
-            <a:endParaRPr lang="en-RU"/>
+            <a:endParaRPr lang="x-none"/>
           </a:p>
         </p:txBody>
       </p:sp>
@@ -4216,7 +4223,7 @@
               </a:rPr>
               <a:t>Чтобы слайд не выглядел пустым, сюда можно поставить иллюстрацию или фотографию</a:t>
             </a:r>
-            <a:endParaRPr lang="en-RU" sz="2800">
+            <a:endParaRPr lang="x-none" sz="2800">
               <a:solidFill>
                 <a:schemeClr val="tx1"/>
               </a:solidFill>
@@ -11912,7 +11919,7 @@
               </a:rPr>
               <a:t>Также старайтесь не использовать выделение жирным начертанием вместе с заливкой ячеек каким-либо цветом, достаточно и одного акцента.</a:t>
             </a:r>
-            <a:endParaRPr lang="en-RU" sz="1300" b="0">
+            <a:endParaRPr lang="x-none" sz="1300" b="0">
               <a:ln>
                 <a:noFill/>
               </a:ln>
@@ -12790,7 +12797,7 @@
               </a:rPr>
               <a:t>Также старайтесь не использовать выделение жирным начертанием вместе с заливкой ячеек каким-либо цветом, достаточно и одного акцента.</a:t>
             </a:r>
-            <a:endParaRPr lang="en-RU" sz="1300" b="0">
+            <a:endParaRPr lang="x-none" sz="1300" b="0">
               <a:ln>
                 <a:noFill/>
               </a:ln>
@@ -13578,7 +13585,7 @@
               <a:rPr lang="en-GB"/>
               <a:t>Click to edit Master title style</a:t>
             </a:r>
-            <a:endParaRPr lang="en-RU"/>
+            <a:endParaRPr lang="x-none"/>
           </a:p>
         </p:txBody>
       </p:sp>
@@ -13646,7 +13653,7 @@
               <a:rPr lang="en-GB"/>
               <a:t>Fifth level</a:t>
             </a:r>
-            <a:endParaRPr lang="en-RU"/>
+            <a:endParaRPr lang="x-none"/>
           </a:p>
         </p:txBody>
       </p:sp>
@@ -13690,10 +13697,10 @@
           </a:lstStyle>
           <a:p>
             <a:fld id="{53063DFB-8595-A44B-9F09-A50FA310E559}" type="datetimeFigureOut">
-              <a:rPr lang="en-RU" smtClean="0"/>
-              <a:t>10/23/2023</a:t>
+              <a:rPr lang="x-none" smtClean="0"/>
+              <a:t>24.10.2023</a:t>
             </a:fld>
-            <a:endParaRPr lang="en-RU"/>
+            <a:endParaRPr lang="x-none"/>
           </a:p>
         </p:txBody>
       </p:sp>
@@ -13736,7 +13743,7 @@
             </a:lvl1pPr>
           </a:lstStyle>
           <a:p>
-            <a:endParaRPr lang="en-RU"/>
+            <a:endParaRPr lang="x-none"/>
           </a:p>
         </p:txBody>
       </p:sp>
@@ -13780,10 +13787,10 @@
           </a:lstStyle>
           <a:p>
             <a:fld id="{4C20F133-126C-5944-A0E4-6A9616EDC0DA}" type="slidenum">
-              <a:rPr lang="en-RU" smtClean="0"/>
+              <a:rPr lang="x-none" smtClean="0"/>
               <a:t>‹#›</a:t>
             </a:fld>
-            <a:endParaRPr lang="en-RU"/>
+            <a:endParaRPr lang="x-none"/>
           </a:p>
         </p:txBody>
       </p:sp>
@@ -13995,7 +14002,7 @@
     </p:bodyStyle>
     <p:otherStyle>
       <a:defPPr>
-        <a:defRPr lang="en-RU"/>
+        <a:defRPr lang="x-none"/>
       </a:defPPr>
       <a:lvl1pPr marL="0" algn="l" defTabSz="914400" rtl="0" eaLnBrk="1" latinLnBrk="0" hangingPunct="1">
         <a:defRPr sz="1800" kern="1200">
@@ -14603,11 +14610,11 @@
           <a:p>
             <a:pPr algn="ctr"/>
             <a:r>
-              <a:rPr lang="ru-RU" b="1" dirty="0" err="1"/>
+              <a:rPr lang="ru-RU" dirty="0" err="1"/>
               <a:t>Таймлайн</a:t>
             </a:r>
             <a:r>
-              <a:rPr lang="ru-RU" b="1" dirty="0"/>
+              <a:rPr lang="ru-RU" dirty="0"/>
               <a:t> работы</a:t>
             </a:r>
           </a:p>
@@ -15619,7 +15626,97 @@
           </a:bodyPr>
           <a:lstStyle/>
           <a:p>
-            <a:endParaRPr lang="ru-RU" sz="1400" dirty="0"/>
+            <a:r>
+              <a:rPr lang="ru-RU" sz="1400" dirty="0"/>
+              <a:t>Первым делом, для общения с пользователем нужно создать бота, который будет автоматически обрабатывать на запросы пользователя. Для этого нужно выполнить следующие задачи.</a:t>
+            </a:r>
+            <a:br>
+              <a:rPr lang="ru-RU" sz="1400" dirty="0"/>
+            </a:br>
+            <a:r>
+              <a:rPr lang="ru-RU" sz="1400" dirty="0"/>
+              <a:t>0). Зарегистрировать бота через </a:t>
+            </a:r>
+            <a:r>
+              <a:rPr lang="en-US" sz="1400" dirty="0"/>
+              <a:t>@</a:t>
+            </a:r>
+            <a:r>
+              <a:rPr lang="en-US" sz="1400" dirty="0" err="1"/>
+              <a:t>BotFather</a:t>
+            </a:r>
+            <a:r>
+              <a:rPr lang="en-US" sz="1400" dirty="0"/>
+              <a:t> </a:t>
+            </a:r>
+            <a:r>
+              <a:rPr lang="ru-RU" sz="1400" dirty="0"/>
+              <a:t>и получить от него </a:t>
+            </a:r>
+            <a:r>
+              <a:rPr lang="ru-RU" sz="1400" dirty="0" err="1"/>
+              <a:t>токен</a:t>
+            </a:r>
+            <a:r>
+              <a:rPr lang="ru-RU" sz="1400" dirty="0"/>
+              <a:t> для работы нашего бота.</a:t>
+            </a:r>
+          </a:p>
+          <a:p>
+            <a:r>
+              <a:rPr lang="ru-RU" sz="1400" dirty="0"/>
+              <a:t>1). Загрузить и изучить библиотеку для ботов телеграмма (предположительно </a:t>
+            </a:r>
+            <a:r>
+              <a:rPr lang="en-US" sz="1400" dirty="0" err="1"/>
+              <a:t>telebot</a:t>
+            </a:r>
+            <a:r>
+              <a:rPr lang="en-US" sz="1400" dirty="0"/>
+              <a:t>)</a:t>
+            </a:r>
+            <a:r>
+              <a:rPr lang="ru-RU" sz="1400" dirty="0"/>
+              <a:t>.</a:t>
+            </a:r>
+          </a:p>
+          <a:p>
+            <a:r>
+              <a:rPr lang="ru-RU" sz="1400" dirty="0"/>
+              <a:t>2). Создать основу бота, которая будет подключаться к </a:t>
+            </a:r>
+            <a:r>
+              <a:rPr lang="en-US" sz="1400" dirty="0" err="1"/>
+              <a:t>api</a:t>
+            </a:r>
+            <a:r>
+              <a:rPr lang="ru-RU" sz="1400" dirty="0"/>
+              <a:t> по полученному ранее ключу, а так же иметь самые базовые функции необходимые для функционирования</a:t>
+            </a:r>
+            <a:br>
+              <a:rPr lang="ru-RU" sz="1400" dirty="0"/>
+            </a:br>
+            <a:r>
+              <a:rPr lang="ru-RU" sz="1400" dirty="0"/>
+              <a:t>3). Реализовать базовый интерфейс без функций, который в последствии будет модернизирован и дополнен функционалом.</a:t>
+            </a:r>
+            <a:endParaRPr lang="en-US" sz="1400" dirty="0"/>
+          </a:p>
+          <a:p>
+            <a:r>
+              <a:rPr lang="en-US" sz="1400" dirty="0"/>
+              <a:t>4). </a:t>
+            </a:r>
+            <a:r>
+              <a:rPr lang="ru-RU" sz="1400" dirty="0"/>
+              <a:t>Научить бота принимать на вход видеофайл, загружать его и делать предварительную обработку.</a:t>
+            </a:r>
+          </a:p>
+          <a:p>
+            <a:r>
+              <a:rPr lang="ru-RU" sz="1400" dirty="0"/>
+              <a:t>5). После получения обработанного видео с субтитрами, нужно его загрузить в телеграмм и прислать пользователю.</a:t>
+            </a:r>
           </a:p>
         </p:txBody>
       </p:sp>
@@ -15653,11 +15750,109 @@
           <a:p>
             <a:r>
               <a:rPr lang="ru-RU" sz="1800" dirty="0"/>
-              <a:t>Ответственный:</a:t>
+              <a:t>Ответственный: Валов Артем</a:t>
             </a:r>
           </a:p>
         </p:txBody>
       </p:sp>
+      <p:sp>
+        <p:nvSpPr>
+          <p:cNvPr id="7" name="TextBox 6"/>
+          <p:cNvSpPr txBox="1"/>
+          <p:nvPr/>
+        </p:nvSpPr>
+        <p:spPr>
+          <a:xfrm>
+            <a:off x="6644640" y="5582194"/>
+            <a:ext cx="4937760" cy="1077218"/>
+          </a:xfrm>
+          <a:prstGeom prst="rect">
+            <a:avLst/>
+          </a:prstGeom>
+          <a:noFill/>
+        </p:spPr>
+        <p:txBody>
+          <a:bodyPr wrap="square" rtlCol="0">
+            <a:spAutoFit/>
+          </a:bodyPr>
+          <a:lstStyle/>
+          <a:p>
+            <a:pPr algn="l"/>
+            <a:r>
+              <a:rPr lang="ru-RU" sz="1600" dirty="0">
+                <a:latin typeface="HSE Sans" panose="02000000000000000000" pitchFamily="2" charset="0"/>
+              </a:rPr>
+              <a:t>Предположительный список библиотек</a:t>
+            </a:r>
+            <a:r>
+              <a:rPr lang="en-US" sz="1600" dirty="0">
+                <a:latin typeface="HSE Sans" panose="02000000000000000000" pitchFamily="2" charset="0"/>
+              </a:rPr>
+              <a:t>:</a:t>
+            </a:r>
+            <a:br>
+              <a:rPr lang="ru-RU" sz="1600" dirty="0">
+                <a:latin typeface="HSE Sans" panose="02000000000000000000" pitchFamily="2" charset="0"/>
+              </a:rPr>
+            </a:br>
+            <a:r>
+              <a:rPr lang="en-US" sz="1600" dirty="0" err="1">
+                <a:latin typeface="HSE Sans" panose="02000000000000000000" pitchFamily="2" charset="0"/>
+              </a:rPr>
+              <a:t>Telebot</a:t>
+            </a:r>
+            <a:br>
+              <a:rPr lang="en-US" sz="1600" dirty="0">
+                <a:latin typeface="HSE Sans" panose="02000000000000000000" pitchFamily="2" charset="0"/>
+              </a:rPr>
+            </a:br>
+            <a:r>
+              <a:rPr lang="en-US" sz="1600" dirty="0" err="1">
+                <a:latin typeface="HSE Sans" panose="02000000000000000000" pitchFamily="2" charset="0"/>
+              </a:rPr>
+              <a:t>OpenCV</a:t>
+            </a:r>
+            <a:br>
+              <a:rPr lang="en-US" sz="1600" dirty="0">
+                <a:latin typeface="HSE Sans" panose="02000000000000000000" pitchFamily="2" charset="0"/>
+              </a:rPr>
+            </a:br>
+            <a:r>
+              <a:rPr lang="en-US" sz="1600" dirty="0" err="1">
+                <a:latin typeface="HSE Sans" panose="02000000000000000000" pitchFamily="2" charset="0"/>
+              </a:rPr>
+              <a:t>moviepy</a:t>
+            </a:r>
+            <a:endParaRPr lang="ru-RU" sz="1600" dirty="0">
+              <a:latin typeface="HSE Sans" panose="02000000000000000000" pitchFamily="2" charset="0"/>
+            </a:endParaRPr>
+          </a:p>
+        </p:txBody>
+      </p:sp>
+      <p:pic>
+        <p:nvPicPr>
+          <p:cNvPr id="8" name="Рисунок 7"/>
+          <p:cNvPicPr>
+            <a:picLocks noChangeAspect="1"/>
+          </p:cNvPicPr>
+          <p:nvPr/>
+        </p:nvPicPr>
+        <p:blipFill>
+          <a:blip r:embed="rId2"/>
+          <a:stretch>
+            <a:fillRect/>
+          </a:stretch>
+        </p:blipFill>
+        <p:spPr>
+          <a:xfrm>
+            <a:off x="5748907" y="1947725"/>
+            <a:ext cx="6294347" cy="2885532"/>
+          </a:xfrm>
+          <a:prstGeom prst="rect">
+            <a:avLst/>
+          </a:prstGeom>
+        </p:spPr>
+      </p:pic>
     </p:spTree>
     <p:extLst>
       <p:ext uri="{BB962C8B-B14F-4D97-AF65-F5344CB8AC3E}">
@@ -15717,7 +15912,9 @@
           </a:ln>
         </p:spPr>
         <p:txBody>
-          <a:bodyPr/>
+          <a:bodyPr>
+            <a:normAutofit fontScale="90000"/>
+          </a:bodyPr>
           <a:lstStyle/>
           <a:p>
             <a:pPr algn="ctr"/>
@@ -16189,7 +16386,7 @@
             </a:r>
             <a:r>
               <a:rPr lang="ru-RU" sz="2400" b="1" dirty="0"/>
-              <a:t> + Бэкенд</a:t>
+              <a:t> </a:t>
             </a:r>
             <a:br>
               <a:rPr lang="ru-RU" sz="2400" b="1" dirty="0">
@@ -16221,7 +16418,7 @@
         </p:nvSpPr>
         <p:spPr>
           <a:xfrm>
-            <a:off x="503347" y="1120550"/>
+            <a:off x="503347" y="1275998"/>
             <a:ext cx="5245561" cy="4652347"/>
           </a:xfrm>
         </p:spPr>
@@ -16231,7 +16428,88 @@
           </a:bodyPr>
           <a:lstStyle/>
           <a:p>
-            <a:endParaRPr lang="ru-RU" sz="1400" dirty="0"/>
+            <a:r>
+              <a:rPr lang="ru-RU" sz="1400" dirty="0"/>
+              <a:t>Помимо реализации основной функции бота, важно сделать удобный интерфейс для пользователя. Также можно разбавить бот приятными функциями. </a:t>
+            </a:r>
+          </a:p>
+          <a:p>
+            <a:r>
+              <a:rPr lang="ru-RU" sz="1400" dirty="0"/>
+              <a:t>При старте бот поприветствует пользователя, после чего предложит меню действий. Помимо основной задачи по обработке видео, бот предложит пользователю узнать что делает бот и добавить событие в </a:t>
+            </a:r>
+            <a:r>
+              <a:rPr lang="en-US" sz="1400" dirty="0"/>
+              <a:t>Google-</a:t>
+            </a:r>
+            <a:r>
+              <a:rPr lang="ru-RU" sz="1400" dirty="0"/>
+              <a:t>календарь.</a:t>
+            </a:r>
+          </a:p>
+          <a:p>
+            <a:pPr marL="285750" indent="-285750">
+              <a:buFont typeface="Wingdings" panose="05000000000000000000" pitchFamily="2" charset="2"/>
+              <a:buChar char="q"/>
+            </a:pPr>
+            <a:r>
+              <a:rPr lang="ru-RU" sz="1400" dirty="0"/>
+              <a:t>При нажатии «Что делает бот?» будет выдаваться информационная справка о том какой функционал у бота</a:t>
+            </a:r>
+          </a:p>
+          <a:p>
+            <a:pPr marL="285750" indent="-285750">
+              <a:buFont typeface="Wingdings" panose="05000000000000000000" pitchFamily="2" charset="2"/>
+              <a:buChar char="q"/>
+            </a:pPr>
+            <a:r>
+              <a:rPr lang="ru-RU" sz="1400" dirty="0"/>
+              <a:t>При выборе основной функции «Создать субтитры» бот попросит прислать видео (и предупредит, что это может занять некоторое время), после чего запустится основной алгоритм обработки. Готовый результат придёт ответным сообщением</a:t>
+            </a:r>
+          </a:p>
+          <a:p>
+            <a:pPr marL="285750" indent="-285750">
+              <a:buFont typeface="Wingdings" panose="05000000000000000000" pitchFamily="2" charset="2"/>
+              <a:buChar char="q"/>
+            </a:pPr>
+            <a:r>
+              <a:rPr lang="ru-RU" sz="1400" dirty="0"/>
+              <a:t>Также будет функция «Добавить в календарь», при выборе которой  бот предложит добавить просмотр этого видео в качестве события в </a:t>
+            </a:r>
+            <a:r>
+              <a:rPr lang="en-US" sz="1400" dirty="0"/>
+              <a:t>Google-</a:t>
+            </a:r>
+            <a:r>
+              <a:rPr lang="ru-RU" sz="1400" dirty="0"/>
+              <a:t>календарь и при необходимости, уточнив нужную информацию </a:t>
+            </a:r>
+            <a:r>
+              <a:rPr lang="en-US" sz="1400" dirty="0"/>
+              <a:t>(</a:t>
+            </a:r>
+            <a:r>
+              <a:rPr lang="ru-RU" sz="1400" dirty="0"/>
+              <a:t>Аккаунт? Как назвать событие? Когда его поставить? и </a:t>
+            </a:r>
+            <a:r>
+              <a:rPr lang="ru-RU" sz="1400" dirty="0" err="1"/>
+              <a:t>тд</a:t>
+            </a:r>
+            <a:r>
+              <a:rPr lang="ru-RU" sz="1400" dirty="0"/>
+              <a:t>) </a:t>
+            </a:r>
+          </a:p>
+          <a:p>
+            <a:r>
+              <a:rPr lang="en-US" sz="1400" dirty="0"/>
+              <a:t>P.S. </a:t>
+            </a:r>
+            <a:r>
+              <a:rPr lang="ru-RU" sz="1400" dirty="0"/>
+              <a:t>возможно добавятся ещё функции, которые мы придумаем в ходе разработки</a:t>
+            </a:r>
           </a:p>
         </p:txBody>
       </p:sp>
@@ -16267,6 +16545,142 @@
               <a:rPr lang="ru-RU" sz="1800" dirty="0"/>
               <a:t>Ответственный:</a:t>
             </a:r>
+            <a:r>
+              <a:rPr lang="ru-RU" dirty="0"/>
+              <a:t> Тураева Маргарита</a:t>
+            </a:r>
+            <a:endParaRPr lang="ru-RU" sz="1800" dirty="0"/>
+          </a:p>
+        </p:txBody>
+      </p:sp>
+      <p:pic>
+        <p:nvPicPr>
+          <p:cNvPr id="10" name="Рисунок 9" descr="Изображение выглядит как текст, снимок экрана, Шрифт, число&#10;&#10;Автоматически созданное описание">
+            <a:extLst>
+              <a:ext uri="{FF2B5EF4-FFF2-40B4-BE49-F238E27FC236}">
+                <a16:creationId xmlns:a16="http://schemas.microsoft.com/office/drawing/2014/main" id="{2B6C9CFF-C337-4FCC-9FE0-7428A9A31599}"/>
+              </a:ext>
+            </a:extLst>
+          </p:cNvPr>
+          <p:cNvPicPr>
+            <a:picLocks noChangeAspect="1"/>
+          </p:cNvPicPr>
+          <p:nvPr/>
+        </p:nvPicPr>
+        <p:blipFill>
+          <a:blip r:embed="rId2"/>
+          <a:stretch>
+            <a:fillRect/>
+          </a:stretch>
+        </p:blipFill>
+        <p:spPr>
+          <a:xfrm>
+            <a:off x="6583924" y="1385416"/>
+            <a:ext cx="4526248" cy="4027522"/>
+          </a:xfrm>
+          <a:prstGeom prst="rect">
+            <a:avLst/>
+          </a:prstGeom>
+        </p:spPr>
+      </p:pic>
+      <p:sp>
+        <p:nvSpPr>
+          <p:cNvPr id="12" name="TextBox 11">
+            <a:extLst>
+              <a:ext uri="{FF2B5EF4-FFF2-40B4-BE49-F238E27FC236}">
+                <a16:creationId xmlns:a16="http://schemas.microsoft.com/office/drawing/2014/main" id="{3816B1B5-340B-50B7-D6DD-6866E282F188}"/>
+              </a:ext>
+            </a:extLst>
+          </p:cNvPr>
+          <p:cNvSpPr txBox="1"/>
+          <p:nvPr/>
+        </p:nvSpPr>
+        <p:spPr>
+          <a:xfrm>
+            <a:off x="6096000" y="5928344"/>
+            <a:ext cx="5398008" cy="738664"/>
+          </a:xfrm>
+          <a:prstGeom prst="rect">
+            <a:avLst/>
+          </a:prstGeom>
+          <a:noFill/>
+        </p:spPr>
+        <p:txBody>
+          <a:bodyPr wrap="square">
+            <a:spAutoFit/>
+          </a:bodyPr>
+          <a:lstStyle/>
+          <a:p>
+            <a:r>
+              <a:rPr lang="ru-RU" sz="1400" dirty="0"/>
+              <a:t>Примерный список библиотек</a:t>
+            </a:r>
+            <a:r>
+              <a:rPr lang="en-US" sz="1400" dirty="0"/>
+              <a:t>:</a:t>
+            </a:r>
+          </a:p>
+          <a:p>
+            <a:r>
+              <a:rPr lang="en-US" sz="1400" dirty="0"/>
+              <a:t> </a:t>
+            </a:r>
+            <a:r>
+              <a:rPr lang="en-US" sz="1400" dirty="0" err="1"/>
+              <a:t>telebot</a:t>
+            </a:r>
+            <a:r>
+              <a:rPr lang="en-US" sz="1400" dirty="0"/>
+              <a:t>,</a:t>
+            </a:r>
+            <a:r>
+              <a:rPr lang="ru-RU" sz="1400" dirty="0"/>
+              <a:t> </a:t>
+            </a:r>
+            <a:r>
+              <a:rPr lang="en-US" sz="1400" dirty="0"/>
+              <a:t>google-</a:t>
+            </a:r>
+            <a:r>
+              <a:rPr lang="en-US" sz="1400" dirty="0" err="1"/>
+              <a:t>api</a:t>
+            </a:r>
+            <a:r>
+              <a:rPr lang="en-US" sz="1400" dirty="0"/>
+              <a:t>-python-client</a:t>
+            </a:r>
+            <a:r>
+              <a:rPr lang="ru-RU" sz="1400" dirty="0"/>
+              <a:t>, </a:t>
+            </a:r>
+            <a:r>
+              <a:rPr lang="en-US" sz="1400" dirty="0"/>
+              <a:t>datetime</a:t>
+            </a:r>
+            <a:r>
+              <a:rPr lang="ru-RU" sz="1400" dirty="0"/>
+              <a:t>, </a:t>
+            </a:r>
+            <a:r>
+              <a:rPr lang="en-US" sz="1400" dirty="0"/>
+              <a:t>requests</a:t>
+            </a:r>
+            <a:r>
+              <a:rPr lang="ru-RU" sz="1400" dirty="0"/>
+              <a:t>,</a:t>
+            </a:r>
+            <a:r>
+              <a:rPr lang="en-US" sz="1400" dirty="0"/>
+              <a:t> </a:t>
+            </a:r>
+            <a:r>
+              <a:rPr lang="en-US" sz="1400" dirty="0" err="1"/>
+              <a:t>json</a:t>
+            </a:r>
+            <a:endParaRPr lang="en-US" sz="1400" dirty="0"/>
+          </a:p>
+          <a:p>
+            <a:endParaRPr lang="ru-RU" sz="1400" dirty="0"/>
           </a:p>
         </p:txBody>
       </p:sp>
@@ -16504,111 +16918,6 @@
     <p:extLst>
       <p:ext uri="{BB962C8B-B14F-4D97-AF65-F5344CB8AC3E}">
         <p14:creationId xmlns:p14="http://schemas.microsoft.com/office/powerpoint/2010/main" val="1282161965"/>
-      </p:ext>
-    </p:extLst>
-  </p:cSld>
-  <p:clrMapOvr>
-    <a:masterClrMapping/>
-  </p:clrMapOvr>
-</p:sld>
-</file>
-
-<file path=ppt/slides/slide9.xml><?xml version="1.0" encoding="utf-8"?>
-<p:sld xmlns:a="http://schemas.openxmlformats.org/drawingml/2006/main" xmlns:r="http://schemas.openxmlformats.org/officeDocument/2006/relationships" xmlns:p="http://schemas.openxmlformats.org/presentationml/2006/main">
-  <p:cSld>
-    <p:spTree>
-      <p:nvGrpSpPr>
-        <p:cNvPr id="1" name=""/>
-        <p:cNvGrpSpPr/>
-        <p:nvPr/>
-      </p:nvGrpSpPr>
-      <p:grpSpPr>
-        <a:xfrm>
-          <a:off x="0" y="0"/>
-          <a:ext cx="0" cy="0"/>
-          <a:chOff x="0" y="0"/>
-          <a:chExt cx="0" cy="0"/>
-        </a:xfrm>
-      </p:grpSpPr>
-      <p:sp>
-        <p:nvSpPr>
-          <p:cNvPr id="2" name="Текст 1">
-            <a:extLst>
-              <a:ext uri="{FF2B5EF4-FFF2-40B4-BE49-F238E27FC236}">
-                <a16:creationId xmlns:a16="http://schemas.microsoft.com/office/drawing/2014/main" id="{7AC8064E-5791-204C-B92F-A01827949435}"/>
-              </a:ext>
-            </a:extLst>
-          </p:cNvPr>
-          <p:cNvSpPr>
-            <a:spLocks noGrp="1"/>
-          </p:cNvSpPr>
-          <p:nvPr>
-            <p:ph type="body" sz="quarter" idx="13"/>
-          </p:nvPr>
-        </p:nvSpPr>
-        <p:spPr/>
-        <p:txBody>
-          <a:bodyPr/>
-          <a:lstStyle/>
-          <a:p>
-            <a:endParaRPr lang="ru-RU"/>
-          </a:p>
-        </p:txBody>
-      </p:sp>
-      <p:sp>
-        <p:nvSpPr>
-          <p:cNvPr id="3" name="Текст 2">
-            <a:extLst>
-              <a:ext uri="{FF2B5EF4-FFF2-40B4-BE49-F238E27FC236}">
-                <a16:creationId xmlns:a16="http://schemas.microsoft.com/office/drawing/2014/main" id="{C5A111DD-C00C-2D48-9F7A-4E23C5BA0C63}"/>
-              </a:ext>
-            </a:extLst>
-          </p:cNvPr>
-          <p:cNvSpPr>
-            <a:spLocks noGrp="1"/>
-          </p:cNvSpPr>
-          <p:nvPr>
-            <p:ph type="body" sz="quarter" idx="14"/>
-          </p:nvPr>
-        </p:nvSpPr>
-        <p:spPr/>
-        <p:txBody>
-          <a:bodyPr/>
-          <a:lstStyle/>
-          <a:p>
-            <a:endParaRPr lang="ru-RU"/>
-          </a:p>
-        </p:txBody>
-      </p:sp>
-      <p:sp>
-        <p:nvSpPr>
-          <p:cNvPr id="4" name="Текст 3">
-            <a:extLst>
-              <a:ext uri="{FF2B5EF4-FFF2-40B4-BE49-F238E27FC236}">
-                <a16:creationId xmlns:a16="http://schemas.microsoft.com/office/drawing/2014/main" id="{D7B3E517-ED8B-0241-AB87-BE49B315EEBF}"/>
-              </a:ext>
-            </a:extLst>
-          </p:cNvPr>
-          <p:cNvSpPr>
-            <a:spLocks noGrp="1"/>
-          </p:cNvSpPr>
-          <p:nvPr>
-            <p:ph type="body" sz="quarter" idx="15"/>
-          </p:nvPr>
-        </p:nvSpPr>
-        <p:spPr/>
-        <p:txBody>
-          <a:bodyPr/>
-          <a:lstStyle/>
-          <a:p>
-            <a:endParaRPr lang="ru-RU"/>
-          </a:p>
-        </p:txBody>
-      </p:sp>
-    </p:spTree>
-    <p:extLst>
-      <p:ext uri="{BB962C8B-B14F-4D97-AF65-F5344CB8AC3E}">
-        <p14:creationId xmlns:p14="http://schemas.microsoft.com/office/powerpoint/2010/main" val="3576663970"/>
       </p:ext>
     </p:extLst>
   </p:cSld>
@@ -17492,15 +17801,15 @@
 <file path=customXml/itemProps3.xml><?xml version="1.0" encoding="utf-8"?>
 <ds:datastoreItem xmlns:ds="http://schemas.openxmlformats.org/officeDocument/2006/customXml" ds:itemID="{433DAF31-D8A6-49A0-9A5D-8B2EA5B1C511}">
   <ds:schemaRefs>
+    <ds:schemaRef ds:uri="http://purl.org/dc/terms/"/>
+    <ds:schemaRef ds:uri="http://purl.org/dc/dcmitype/"/>
+    <ds:schemaRef ds:uri="http://schemas.microsoft.com/office/infopath/2007/PartnerControls"/>
     <ds:schemaRef ds:uri="http://purl.org/dc/elements/1.1/"/>
-    <ds:schemaRef ds:uri="http://schemas.microsoft.com/office/2006/documentManagement/types"/>
-    <ds:schemaRef ds:uri="http://schemas.microsoft.com/office/infopath/2007/PartnerControls"/>
-    <ds:schemaRef ds:uri="http://purl.org/dc/dcmitype/"/>
+    <ds:schemaRef ds:uri="http://schemas.microsoft.com/office/2006/metadata/properties"/>
     <ds:schemaRef ds:uri="e96afe77-3acb-4328-97fc-408e1bde3ecd"/>
-    <ds:schemaRef ds:uri="http://schemas.microsoft.com/office/2006/metadata/properties"/>
-    <ds:schemaRef ds:uri="http://purl.org/dc/terms/"/>
     <ds:schemaRef ds:uri="http://www.w3.org/XML/1998/namespace"/>
     <ds:schemaRef ds:uri="http://schemas.openxmlformats.org/package/2006/metadata/core-properties"/>
+    <ds:schemaRef ds:uri="http://schemas.microsoft.com/office/2006/documentManagement/types"/>
     <ds:schemaRef ds:uri="9875bd71-cde8-496c-a136-433f55d5e6d0"/>
   </ds:schemaRefs>
 </ds:datastoreItem>
